--- a/Report/보고서자료.pptx
+++ b/Report/보고서자료.pptx
@@ -4,8 +4,12 @@
   <p:sldMasterIdLst>
     <p:sldMasterId id="2147483648" r:id="rId1"/>
   </p:sldMasterIdLst>
+  <p:notesMasterIdLst>
+    <p:notesMasterId r:id="rId4"/>
+  </p:notesMasterIdLst>
   <p:sldIdLst>
     <p:sldId id="256" r:id="rId2"/>
+    <p:sldId id="257" r:id="rId3"/>
   </p:sldIdLst>
   <p:sldSz cx="12192000" cy="6858000"/>
   <p:notesSz cx="6858000" cy="9144000"/>
@@ -104,6 +108,11 @@
       </a:defRPr>
     </a:lvl9pPr>
   </p:defaultTextStyle>
+  <p:extLst>
+    <p:ext uri="{EFAFB233-063F-42B5-8137-9DF3F51BA10A}">
+      <p15:sldGuideLst xmlns:p15="http://schemas.microsoft.com/office/powerpoint/2012/main"/>
+    </p:ext>
+  </p:extLst>
 </p:presentation>
 </file>
 
@@ -133,6 +142,356 @@
 </p:cmLst>
 </file>
 
+<file path=ppt/notesMasters/notesMaster1.xml><?xml version="1.0" encoding="utf-8"?>
+<p:notesMaster xmlns:a="http://schemas.openxmlformats.org/drawingml/2006/main" xmlns:r="http://schemas.openxmlformats.org/officeDocument/2006/relationships" xmlns:p="http://schemas.openxmlformats.org/presentationml/2006/main">
+  <p:cSld>
+    <p:bg>
+      <p:bgRef idx="1001">
+        <a:schemeClr val="bg1"/>
+      </p:bgRef>
+    </p:bg>
+    <p:spTree>
+      <p:nvGrpSpPr>
+        <p:cNvPr id="1" name=""/>
+        <p:cNvGrpSpPr/>
+        <p:nvPr/>
+      </p:nvGrpSpPr>
+      <p:grpSpPr>
+        <a:xfrm>
+          <a:off x="0" y="0"/>
+          <a:ext cx="0" cy="0"/>
+          <a:chOff x="0" y="0"/>
+          <a:chExt cx="0" cy="0"/>
+        </a:xfrm>
+      </p:grpSpPr>
+      <p:sp>
+        <p:nvSpPr>
+          <p:cNvPr id="2" name="머리글 개체 틀 1"/>
+          <p:cNvSpPr>
+            <a:spLocks noGrp="1"/>
+          </p:cNvSpPr>
+          <p:nvPr>
+            <p:ph type="hdr" sz="quarter"/>
+          </p:nvPr>
+        </p:nvSpPr>
+        <p:spPr>
+          <a:xfrm>
+            <a:off x="0" y="0"/>
+            <a:ext cx="2971800" cy="458788"/>
+          </a:xfrm>
+          <a:prstGeom prst="rect">
+            <a:avLst/>
+          </a:prstGeom>
+        </p:spPr>
+        <p:txBody>
+          <a:bodyPr vert="horz" lIns="91440" tIns="45720" rIns="91440" bIns="45720" rtlCol="0"/>
+          <a:lstStyle>
+            <a:lvl1pPr algn="l">
+              <a:defRPr sz="1200"/>
+            </a:lvl1pPr>
+          </a:lstStyle>
+          <a:p>
+            <a:endParaRPr lang="ko-KR" altLang="en-US"/>
+          </a:p>
+        </p:txBody>
+      </p:sp>
+      <p:sp>
+        <p:nvSpPr>
+          <p:cNvPr id="3" name="날짜 개체 틀 2"/>
+          <p:cNvSpPr>
+            <a:spLocks noGrp="1"/>
+          </p:cNvSpPr>
+          <p:nvPr>
+            <p:ph type="dt" idx="1"/>
+          </p:nvPr>
+        </p:nvSpPr>
+        <p:spPr>
+          <a:xfrm>
+            <a:off x="3884613" y="0"/>
+            <a:ext cx="2971800" cy="458788"/>
+          </a:xfrm>
+          <a:prstGeom prst="rect">
+            <a:avLst/>
+          </a:prstGeom>
+        </p:spPr>
+        <p:txBody>
+          <a:bodyPr vert="horz" lIns="91440" tIns="45720" rIns="91440" bIns="45720" rtlCol="0"/>
+          <a:lstStyle>
+            <a:lvl1pPr algn="r">
+              <a:defRPr sz="1200"/>
+            </a:lvl1pPr>
+          </a:lstStyle>
+          <a:p>
+            <a:fld id="{75023CB6-3010-438A-8863-236E2D273C02}" type="datetimeFigureOut">
+              <a:rPr lang="ko-KR" altLang="en-US" smtClean="0"/>
+              <a:t>2023-06-07</a:t>
+            </a:fld>
+            <a:endParaRPr lang="ko-KR" altLang="en-US"/>
+          </a:p>
+        </p:txBody>
+      </p:sp>
+      <p:sp>
+        <p:nvSpPr>
+          <p:cNvPr id="4" name="슬라이드 이미지 개체 틀 3"/>
+          <p:cNvSpPr>
+            <a:spLocks noGrp="1" noRot="1" noChangeAspect="1"/>
+          </p:cNvSpPr>
+          <p:nvPr>
+            <p:ph type="sldImg" idx="2"/>
+          </p:nvPr>
+        </p:nvSpPr>
+        <p:spPr>
+          <a:xfrm>
+            <a:off x="685800" y="1143000"/>
+            <a:ext cx="5486400" cy="3086100"/>
+          </a:xfrm>
+          <a:prstGeom prst="rect">
+            <a:avLst/>
+          </a:prstGeom>
+          <a:noFill/>
+          <a:ln w="12700">
+            <a:solidFill>
+              <a:prstClr val="black"/>
+            </a:solidFill>
+          </a:ln>
+        </p:spPr>
+        <p:txBody>
+          <a:bodyPr vert="horz" lIns="91440" tIns="45720" rIns="91440" bIns="45720" rtlCol="0" anchor="ctr"/>
+          <a:lstStyle/>
+          <a:p>
+            <a:endParaRPr lang="ko-KR" altLang="en-US"/>
+          </a:p>
+        </p:txBody>
+      </p:sp>
+      <p:sp>
+        <p:nvSpPr>
+          <p:cNvPr id="5" name="슬라이드 노트 개체 틀 4"/>
+          <p:cNvSpPr>
+            <a:spLocks noGrp="1"/>
+          </p:cNvSpPr>
+          <p:nvPr>
+            <p:ph type="body" sz="quarter" idx="3"/>
+          </p:nvPr>
+        </p:nvSpPr>
+        <p:spPr>
+          <a:xfrm>
+            <a:off x="685800" y="4400550"/>
+            <a:ext cx="5486400" cy="3600450"/>
+          </a:xfrm>
+          <a:prstGeom prst="rect">
+            <a:avLst/>
+          </a:prstGeom>
+        </p:spPr>
+        <p:txBody>
+          <a:bodyPr vert="horz" lIns="91440" tIns="45720" rIns="91440" bIns="45720" rtlCol="0"/>
+          <a:lstStyle/>
+          <a:p>
+            <a:pPr lvl="0"/>
+            <a:r>
+              <a:rPr lang="ko-KR" altLang="en-US" smtClean="0"/>
+              <a:t>마스터 텍스트 스타일 편집</a:t>
+            </a:r>
+          </a:p>
+          <a:p>
+            <a:pPr lvl="1"/>
+            <a:r>
+              <a:rPr lang="ko-KR" altLang="en-US" smtClean="0"/>
+              <a:t>둘째 수준</a:t>
+            </a:r>
+          </a:p>
+          <a:p>
+            <a:pPr lvl="2"/>
+            <a:r>
+              <a:rPr lang="ko-KR" altLang="en-US" smtClean="0"/>
+              <a:t>셋째 수준</a:t>
+            </a:r>
+          </a:p>
+          <a:p>
+            <a:pPr lvl="3"/>
+            <a:r>
+              <a:rPr lang="ko-KR" altLang="en-US" smtClean="0"/>
+              <a:t>넷째 수준</a:t>
+            </a:r>
+          </a:p>
+          <a:p>
+            <a:pPr lvl="4"/>
+            <a:r>
+              <a:rPr lang="ko-KR" altLang="en-US" smtClean="0"/>
+              <a:t>다섯째 수준</a:t>
+            </a:r>
+            <a:endParaRPr lang="ko-KR" altLang="en-US"/>
+          </a:p>
+        </p:txBody>
+      </p:sp>
+      <p:sp>
+        <p:nvSpPr>
+          <p:cNvPr id="6" name="바닥글 개체 틀 5"/>
+          <p:cNvSpPr>
+            <a:spLocks noGrp="1"/>
+          </p:cNvSpPr>
+          <p:nvPr>
+            <p:ph type="ftr" sz="quarter" idx="4"/>
+          </p:nvPr>
+        </p:nvSpPr>
+        <p:spPr>
+          <a:xfrm>
+            <a:off x="0" y="8685213"/>
+            <a:ext cx="2971800" cy="458787"/>
+          </a:xfrm>
+          <a:prstGeom prst="rect">
+            <a:avLst/>
+          </a:prstGeom>
+        </p:spPr>
+        <p:txBody>
+          <a:bodyPr vert="horz" lIns="91440" tIns="45720" rIns="91440" bIns="45720" rtlCol="0" anchor="b"/>
+          <a:lstStyle>
+            <a:lvl1pPr algn="l">
+              <a:defRPr sz="1200"/>
+            </a:lvl1pPr>
+          </a:lstStyle>
+          <a:p>
+            <a:endParaRPr lang="ko-KR" altLang="en-US"/>
+          </a:p>
+        </p:txBody>
+      </p:sp>
+      <p:sp>
+        <p:nvSpPr>
+          <p:cNvPr id="7" name="슬라이드 번호 개체 틀 6"/>
+          <p:cNvSpPr>
+            <a:spLocks noGrp="1"/>
+          </p:cNvSpPr>
+          <p:nvPr>
+            <p:ph type="sldNum" sz="quarter" idx="5"/>
+          </p:nvPr>
+        </p:nvSpPr>
+        <p:spPr>
+          <a:xfrm>
+            <a:off x="3884613" y="8685213"/>
+            <a:ext cx="2971800" cy="458787"/>
+          </a:xfrm>
+          <a:prstGeom prst="rect">
+            <a:avLst/>
+          </a:prstGeom>
+        </p:spPr>
+        <p:txBody>
+          <a:bodyPr vert="horz" lIns="91440" tIns="45720" rIns="91440" bIns="45720" rtlCol="0" anchor="b"/>
+          <a:lstStyle>
+            <a:lvl1pPr algn="r">
+              <a:defRPr sz="1200"/>
+            </a:lvl1pPr>
+          </a:lstStyle>
+          <a:p>
+            <a:fld id="{8D1EF9DA-36E4-46B6-94A9-665F6C4BC6D2}" type="slidenum">
+              <a:rPr lang="ko-KR" altLang="en-US" smtClean="0"/>
+              <a:t>‹#›</a:t>
+            </a:fld>
+            <a:endParaRPr lang="ko-KR" altLang="en-US"/>
+          </a:p>
+        </p:txBody>
+      </p:sp>
+    </p:spTree>
+    <p:extLst>
+      <p:ext uri="{BB962C8B-B14F-4D97-AF65-F5344CB8AC3E}">
+        <p14:creationId xmlns:p14="http://schemas.microsoft.com/office/powerpoint/2010/main" val="2242317008"/>
+      </p:ext>
+    </p:extLst>
+  </p:cSld>
+  <p:clrMap bg1="lt1" tx1="dk1" bg2="lt2" tx2="dk2" accent1="accent1" accent2="accent2" accent3="accent3" accent4="accent4" accent5="accent5" accent6="accent6" hlink="hlink" folHlink="folHlink"/>
+  <p:notesStyle>
+    <a:lvl1pPr marL="0" algn="l" defTabSz="914400" rtl="0" eaLnBrk="1" latinLnBrk="1" hangingPunct="1">
+      <a:defRPr sz="1200" kern="1200">
+        <a:solidFill>
+          <a:schemeClr val="tx1"/>
+        </a:solidFill>
+        <a:latin typeface="+mn-lt"/>
+        <a:ea typeface="+mn-ea"/>
+        <a:cs typeface="+mn-cs"/>
+      </a:defRPr>
+    </a:lvl1pPr>
+    <a:lvl2pPr marL="457200" algn="l" defTabSz="914400" rtl="0" eaLnBrk="1" latinLnBrk="1" hangingPunct="1">
+      <a:defRPr sz="1200" kern="1200">
+        <a:solidFill>
+          <a:schemeClr val="tx1"/>
+        </a:solidFill>
+        <a:latin typeface="+mn-lt"/>
+        <a:ea typeface="+mn-ea"/>
+        <a:cs typeface="+mn-cs"/>
+      </a:defRPr>
+    </a:lvl2pPr>
+    <a:lvl3pPr marL="914400" algn="l" defTabSz="914400" rtl="0" eaLnBrk="1" latinLnBrk="1" hangingPunct="1">
+      <a:defRPr sz="1200" kern="1200">
+        <a:solidFill>
+          <a:schemeClr val="tx1"/>
+        </a:solidFill>
+        <a:latin typeface="+mn-lt"/>
+        <a:ea typeface="+mn-ea"/>
+        <a:cs typeface="+mn-cs"/>
+      </a:defRPr>
+    </a:lvl3pPr>
+    <a:lvl4pPr marL="1371600" algn="l" defTabSz="914400" rtl="0" eaLnBrk="1" latinLnBrk="1" hangingPunct="1">
+      <a:defRPr sz="1200" kern="1200">
+        <a:solidFill>
+          <a:schemeClr val="tx1"/>
+        </a:solidFill>
+        <a:latin typeface="+mn-lt"/>
+        <a:ea typeface="+mn-ea"/>
+        <a:cs typeface="+mn-cs"/>
+      </a:defRPr>
+    </a:lvl4pPr>
+    <a:lvl5pPr marL="1828800" algn="l" defTabSz="914400" rtl="0" eaLnBrk="1" latinLnBrk="1" hangingPunct="1">
+      <a:defRPr sz="1200" kern="1200">
+        <a:solidFill>
+          <a:schemeClr val="tx1"/>
+        </a:solidFill>
+        <a:latin typeface="+mn-lt"/>
+        <a:ea typeface="+mn-ea"/>
+        <a:cs typeface="+mn-cs"/>
+      </a:defRPr>
+    </a:lvl5pPr>
+    <a:lvl6pPr marL="2286000" algn="l" defTabSz="914400" rtl="0" eaLnBrk="1" latinLnBrk="1" hangingPunct="1">
+      <a:defRPr sz="1200" kern="1200">
+        <a:solidFill>
+          <a:schemeClr val="tx1"/>
+        </a:solidFill>
+        <a:latin typeface="+mn-lt"/>
+        <a:ea typeface="+mn-ea"/>
+        <a:cs typeface="+mn-cs"/>
+      </a:defRPr>
+    </a:lvl6pPr>
+    <a:lvl7pPr marL="2743200" algn="l" defTabSz="914400" rtl="0" eaLnBrk="1" latinLnBrk="1" hangingPunct="1">
+      <a:defRPr sz="1200" kern="1200">
+        <a:solidFill>
+          <a:schemeClr val="tx1"/>
+        </a:solidFill>
+        <a:latin typeface="+mn-lt"/>
+        <a:ea typeface="+mn-ea"/>
+        <a:cs typeface="+mn-cs"/>
+      </a:defRPr>
+    </a:lvl7pPr>
+    <a:lvl8pPr marL="3200400" algn="l" defTabSz="914400" rtl="0" eaLnBrk="1" latinLnBrk="1" hangingPunct="1">
+      <a:defRPr sz="1200" kern="1200">
+        <a:solidFill>
+          <a:schemeClr val="tx1"/>
+        </a:solidFill>
+        <a:latin typeface="+mn-lt"/>
+        <a:ea typeface="+mn-ea"/>
+        <a:cs typeface="+mn-cs"/>
+      </a:defRPr>
+    </a:lvl8pPr>
+    <a:lvl9pPr marL="3657600" algn="l" defTabSz="914400" rtl="0" eaLnBrk="1" latinLnBrk="1" hangingPunct="1">
+      <a:defRPr sz="1200" kern="1200">
+        <a:solidFill>
+          <a:schemeClr val="tx1"/>
+        </a:solidFill>
+        <a:latin typeface="+mn-lt"/>
+        <a:ea typeface="+mn-ea"/>
+        <a:cs typeface="+mn-cs"/>
+      </a:defRPr>
+    </a:lvl9pPr>
+  </p:notesStyle>
+</p:notesMaster>
+</file>
+
 <file path=ppt/slideLayouts/slideLayout1.xml><?xml version="1.0" encoding="utf-8"?>
 <p:sldLayout xmlns:a="http://schemas.openxmlformats.org/drawingml/2006/main" xmlns:r="http://schemas.openxmlformats.org/officeDocument/2006/relationships" xmlns:p="http://schemas.openxmlformats.org/presentationml/2006/main" type="title" preserve="1">
   <p:cSld name="제목 슬라이드">
@@ -264,7 +623,7 @@
           <a:p>
             <a:fld id="{2238C260-B133-4EF4-B1E7-39F12DEFFE83}" type="datetimeFigureOut">
               <a:rPr lang="ko-KR" altLang="en-US" smtClean="0"/>
-              <a:t>2023-06-03</a:t>
+              <a:t>2023-06-07</a:t>
             </a:fld>
             <a:endParaRPr lang="ko-KR" altLang="en-US"/>
           </a:p>
@@ -434,7 +793,7 @@
           <a:p>
             <a:fld id="{2238C260-B133-4EF4-B1E7-39F12DEFFE83}" type="datetimeFigureOut">
               <a:rPr lang="ko-KR" altLang="en-US" smtClean="0"/>
-              <a:t>2023-06-03</a:t>
+              <a:t>2023-06-07</a:t>
             </a:fld>
             <a:endParaRPr lang="ko-KR" altLang="en-US"/>
           </a:p>
@@ -614,7 +973,7 @@
           <a:p>
             <a:fld id="{2238C260-B133-4EF4-B1E7-39F12DEFFE83}" type="datetimeFigureOut">
               <a:rPr lang="ko-KR" altLang="en-US" smtClean="0"/>
-              <a:t>2023-06-03</a:t>
+              <a:t>2023-06-07</a:t>
             </a:fld>
             <a:endParaRPr lang="ko-KR" altLang="en-US"/>
           </a:p>
@@ -784,7 +1143,7 @@
           <a:p>
             <a:fld id="{2238C260-B133-4EF4-B1E7-39F12DEFFE83}" type="datetimeFigureOut">
               <a:rPr lang="ko-KR" altLang="en-US" smtClean="0"/>
-              <a:t>2023-06-03</a:t>
+              <a:t>2023-06-07</a:t>
             </a:fld>
             <a:endParaRPr lang="ko-KR" altLang="en-US"/>
           </a:p>
@@ -1030,7 +1389,7 @@
           <a:p>
             <a:fld id="{2238C260-B133-4EF4-B1E7-39F12DEFFE83}" type="datetimeFigureOut">
               <a:rPr lang="ko-KR" altLang="en-US" smtClean="0"/>
-              <a:t>2023-06-03</a:t>
+              <a:t>2023-06-07</a:t>
             </a:fld>
             <a:endParaRPr lang="ko-KR" altLang="en-US"/>
           </a:p>
@@ -1262,7 +1621,7 @@
           <a:p>
             <a:fld id="{2238C260-B133-4EF4-B1E7-39F12DEFFE83}" type="datetimeFigureOut">
               <a:rPr lang="ko-KR" altLang="en-US" smtClean="0"/>
-              <a:t>2023-06-03</a:t>
+              <a:t>2023-06-07</a:t>
             </a:fld>
             <a:endParaRPr lang="ko-KR" altLang="en-US"/>
           </a:p>
@@ -1629,7 +1988,7 @@
           <a:p>
             <a:fld id="{2238C260-B133-4EF4-B1E7-39F12DEFFE83}" type="datetimeFigureOut">
               <a:rPr lang="ko-KR" altLang="en-US" smtClean="0"/>
-              <a:t>2023-06-03</a:t>
+              <a:t>2023-06-07</a:t>
             </a:fld>
             <a:endParaRPr lang="ko-KR" altLang="en-US"/>
           </a:p>
@@ -1747,7 +2106,7 @@
           <a:p>
             <a:fld id="{2238C260-B133-4EF4-B1E7-39F12DEFFE83}" type="datetimeFigureOut">
               <a:rPr lang="ko-KR" altLang="en-US" smtClean="0"/>
-              <a:t>2023-06-03</a:t>
+              <a:t>2023-06-07</a:t>
             </a:fld>
             <a:endParaRPr lang="ko-KR" altLang="en-US"/>
           </a:p>
@@ -1842,7 +2201,7 @@
           <a:p>
             <a:fld id="{2238C260-B133-4EF4-B1E7-39F12DEFFE83}" type="datetimeFigureOut">
               <a:rPr lang="ko-KR" altLang="en-US" smtClean="0"/>
-              <a:t>2023-06-03</a:t>
+              <a:t>2023-06-07</a:t>
             </a:fld>
             <a:endParaRPr lang="ko-KR" altLang="en-US"/>
           </a:p>
@@ -2119,7 +2478,7 @@
           <a:p>
             <a:fld id="{2238C260-B133-4EF4-B1E7-39F12DEFFE83}" type="datetimeFigureOut">
               <a:rPr lang="ko-KR" altLang="en-US" smtClean="0"/>
-              <a:t>2023-06-03</a:t>
+              <a:t>2023-06-07</a:t>
             </a:fld>
             <a:endParaRPr lang="ko-KR" altLang="en-US"/>
           </a:p>
@@ -2372,7 +2731,7 @@
           <a:p>
             <a:fld id="{2238C260-B133-4EF4-B1E7-39F12DEFFE83}" type="datetimeFigureOut">
               <a:rPr lang="ko-KR" altLang="en-US" smtClean="0"/>
-              <a:t>2023-06-03</a:t>
+              <a:t>2023-06-07</a:t>
             </a:fld>
             <a:endParaRPr lang="ko-KR" altLang="en-US"/>
           </a:p>
@@ -2585,7 +2944,7 @@
           <a:p>
             <a:fld id="{2238C260-B133-4EF4-B1E7-39F12DEFFE83}" type="datetimeFigureOut">
               <a:rPr lang="ko-KR" altLang="en-US" smtClean="0"/>
-              <a:t>2023-06-03</a:t>
+              <a:t>2023-06-07</a:t>
             </a:fld>
             <a:endParaRPr lang="ko-KR" altLang="en-US"/>
           </a:p>
@@ -3027,13 +3386,6 @@
             <a:pPr algn="ctr"/>
             <a:r>
               <a:rPr lang="en-US" altLang="ko-KR" sz="4000" dirty="0" smtClean="0"/>
-              <a:t>OUR</a:t>
-            </a:r>
-          </a:p>
-          <a:p>
-            <a:pPr algn="ctr"/>
-            <a:r>
-              <a:rPr lang="en-US" altLang="ko-KR" sz="4000" dirty="0" smtClean="0"/>
               <a:t>SERVER</a:t>
             </a:r>
           </a:p>
@@ -3651,6 +4003,1299 @@
     <p:extLst>
       <p:ext uri="{BB962C8B-B14F-4D97-AF65-F5344CB8AC3E}">
         <p14:creationId xmlns:p14="http://schemas.microsoft.com/office/powerpoint/2010/main" val="1541098551"/>
+      </p:ext>
+    </p:extLst>
+  </p:cSld>
+  <p:clrMapOvr>
+    <a:masterClrMapping/>
+  </p:clrMapOvr>
+</p:sld>
+</file>
+
+<file path=ppt/slides/slide2.xml><?xml version="1.0" encoding="utf-8"?>
+<p:sld xmlns:a="http://schemas.openxmlformats.org/drawingml/2006/main" xmlns:r="http://schemas.openxmlformats.org/officeDocument/2006/relationships" xmlns:p="http://schemas.openxmlformats.org/presentationml/2006/main">
+  <p:cSld>
+    <p:spTree>
+      <p:nvGrpSpPr>
+        <p:cNvPr id="1" name=""/>
+        <p:cNvGrpSpPr/>
+        <p:nvPr/>
+      </p:nvGrpSpPr>
+      <p:grpSpPr>
+        <a:xfrm>
+          <a:off x="0" y="0"/>
+          <a:ext cx="0" cy="0"/>
+          <a:chOff x="0" y="0"/>
+          <a:chExt cx="0" cy="0"/>
+        </a:xfrm>
+      </p:grpSpPr>
+      <p:sp>
+        <p:nvSpPr>
+          <p:cNvPr id="37" name="직사각형 36"/>
+          <p:cNvSpPr/>
+          <p:nvPr/>
+        </p:nvSpPr>
+        <p:spPr>
+          <a:xfrm>
+            <a:off x="0" y="0"/>
+            <a:ext cx="12192000" cy="1547446"/>
+          </a:xfrm>
+          <a:prstGeom prst="rect">
+            <a:avLst/>
+          </a:prstGeom>
+          <a:solidFill>
+            <a:schemeClr val="accent6">
+              <a:lumMod val="20000"/>
+              <a:lumOff val="80000"/>
+            </a:schemeClr>
+          </a:solidFill>
+          <a:ln>
+            <a:noFill/>
+          </a:ln>
+        </p:spPr>
+        <p:style>
+          <a:lnRef idx="1">
+            <a:schemeClr val="accent6"/>
+          </a:lnRef>
+          <a:fillRef idx="2">
+            <a:schemeClr val="accent6"/>
+          </a:fillRef>
+          <a:effectRef idx="1">
+            <a:schemeClr val="accent6"/>
+          </a:effectRef>
+          <a:fontRef idx="minor">
+            <a:schemeClr val="dk1"/>
+          </a:fontRef>
+        </p:style>
+        <p:txBody>
+          <a:bodyPr rtlCol="0" anchor="ctr"/>
+          <a:lstStyle/>
+          <a:p>
+            <a:pPr algn="ctr"/>
+            <a:r>
+              <a:rPr lang="en-US" altLang="ko-KR" sz="3000" dirty="0" smtClean="0"/>
+              <a:t>&lt; TARGET SERVER (User Inputted URL) &gt;</a:t>
+            </a:r>
+          </a:p>
+          <a:p>
+            <a:pPr algn="ctr"/>
+            <a:endParaRPr lang="en-US" altLang="ko-KR" sz="3000" dirty="0"/>
+          </a:p>
+          <a:p>
+            <a:pPr algn="ctr"/>
+            <a:endParaRPr lang="ko-KR" altLang="en-US" sz="3000" dirty="0"/>
+          </a:p>
+        </p:txBody>
+      </p:sp>
+      <p:sp>
+        <p:nvSpPr>
+          <p:cNvPr id="29" name="직사각형 28"/>
+          <p:cNvSpPr/>
+          <p:nvPr/>
+        </p:nvSpPr>
+        <p:spPr>
+          <a:xfrm>
+            <a:off x="6151685" y="1547446"/>
+            <a:ext cx="6040315" cy="5310554"/>
+          </a:xfrm>
+          <a:prstGeom prst="rect">
+            <a:avLst/>
+          </a:prstGeom>
+          <a:solidFill>
+            <a:schemeClr val="tx2">
+              <a:lumMod val="20000"/>
+              <a:lumOff val="80000"/>
+            </a:schemeClr>
+          </a:solidFill>
+          <a:ln>
+            <a:noFill/>
+          </a:ln>
+        </p:spPr>
+        <p:style>
+          <a:lnRef idx="3">
+            <a:schemeClr val="lt1"/>
+          </a:lnRef>
+          <a:fillRef idx="1">
+            <a:schemeClr val="accent4"/>
+          </a:fillRef>
+          <a:effectRef idx="1">
+            <a:schemeClr val="accent4"/>
+          </a:effectRef>
+          <a:fontRef idx="minor">
+            <a:schemeClr val="lt1"/>
+          </a:fontRef>
+        </p:style>
+        <p:txBody>
+          <a:bodyPr rtlCol="0" anchor="ctr"/>
+          <a:lstStyle/>
+          <a:p>
+            <a:pPr algn="ctr"/>
+            <a:endParaRPr lang="ko-KR" altLang="en-US"/>
+          </a:p>
+        </p:txBody>
+      </p:sp>
+      <p:sp>
+        <p:nvSpPr>
+          <p:cNvPr id="3" name="직사각형 2"/>
+          <p:cNvSpPr/>
+          <p:nvPr/>
+        </p:nvSpPr>
+        <p:spPr>
+          <a:xfrm>
+            <a:off x="-1" y="1547446"/>
+            <a:ext cx="6163409" cy="5310554"/>
+          </a:xfrm>
+          <a:prstGeom prst="rect">
+            <a:avLst/>
+          </a:prstGeom>
+          <a:solidFill>
+            <a:srgbClr val="CCCCFF"/>
+          </a:solidFill>
+          <a:ln>
+            <a:noFill/>
+          </a:ln>
+        </p:spPr>
+        <p:style>
+          <a:lnRef idx="1">
+            <a:schemeClr val="accent6"/>
+          </a:lnRef>
+          <a:fillRef idx="2">
+            <a:schemeClr val="accent6"/>
+          </a:fillRef>
+          <a:effectRef idx="1">
+            <a:schemeClr val="accent6"/>
+          </a:effectRef>
+          <a:fontRef idx="minor">
+            <a:schemeClr val="dk1"/>
+          </a:fontRef>
+        </p:style>
+        <p:txBody>
+          <a:bodyPr rtlCol="0" anchor="ctr"/>
+          <a:lstStyle/>
+          <a:p>
+            <a:pPr algn="ctr"/>
+            <a:endParaRPr lang="ko-KR" altLang="en-US" dirty="0"/>
+          </a:p>
+        </p:txBody>
+      </p:sp>
+      <p:grpSp>
+        <p:nvGrpSpPr>
+          <p:cNvPr id="10" name="그룹 9"/>
+          <p:cNvGrpSpPr/>
+          <p:nvPr/>
+        </p:nvGrpSpPr>
+        <p:grpSpPr>
+          <a:xfrm>
+            <a:off x="328980" y="2013439"/>
+            <a:ext cx="5227758" cy="4633549"/>
+            <a:chOff x="882893" y="2975728"/>
+            <a:chExt cx="1969477" cy="1686452"/>
+          </a:xfrm>
+        </p:grpSpPr>
+        <p:sp>
+          <p:nvSpPr>
+            <p:cNvPr id="4" name="직사각형 3"/>
+            <p:cNvSpPr/>
+            <p:nvPr/>
+          </p:nvSpPr>
+          <p:spPr>
+            <a:xfrm>
+              <a:off x="882893" y="2975728"/>
+              <a:ext cx="1969477" cy="1180836"/>
+            </a:xfrm>
+            <a:prstGeom prst="rect">
+              <a:avLst/>
+            </a:prstGeom>
+            <a:ln w="19050"/>
+          </p:spPr>
+          <p:style>
+            <a:lnRef idx="2">
+              <a:schemeClr val="dk1"/>
+            </a:lnRef>
+            <a:fillRef idx="1">
+              <a:schemeClr val="lt1"/>
+            </a:fillRef>
+            <a:effectRef idx="0">
+              <a:schemeClr val="dk1"/>
+            </a:effectRef>
+            <a:fontRef idx="minor">
+              <a:schemeClr val="dk1"/>
+            </a:fontRef>
+          </p:style>
+          <p:txBody>
+            <a:bodyPr rtlCol="0" anchor="ctr"/>
+            <a:lstStyle/>
+            <a:p>
+              <a:pPr algn="ctr"/>
+              <a:r>
+                <a:rPr lang="en-US" altLang="ko-KR" sz="4000" dirty="0" smtClean="0"/>
+                <a:t>HTML</a:t>
+              </a:r>
+            </a:p>
+            <a:p>
+              <a:pPr algn="ctr"/>
+              <a:endParaRPr lang="en-US" altLang="ko-KR" sz="4000" dirty="0" smtClean="0"/>
+            </a:p>
+            <a:p>
+              <a:pPr algn="ctr"/>
+              <a:endParaRPr lang="en-US" altLang="ko-KR" sz="4000" dirty="0"/>
+            </a:p>
+            <a:p>
+              <a:pPr algn="ctr"/>
+              <a:endParaRPr lang="en-US" altLang="ko-KR" sz="4000" dirty="0" smtClean="0"/>
+            </a:p>
+            <a:p>
+              <a:pPr algn="ctr"/>
+              <a:endParaRPr lang="en-US" altLang="ko-KR" sz="2000" dirty="0" smtClean="0"/>
+            </a:p>
+            <a:p>
+              <a:pPr algn="ctr"/>
+              <a:endParaRPr lang="ko-KR" altLang="en-US" sz="2000" dirty="0"/>
+            </a:p>
+          </p:txBody>
+        </p:sp>
+        <p:pic>
+          <p:nvPicPr>
+            <p:cNvPr id="5" name="그림 4"/>
+            <p:cNvPicPr>
+              <a:picLocks noChangeAspect="1"/>
+            </p:cNvPicPr>
+            <p:nvPr/>
+          </p:nvPicPr>
+          <p:blipFill>
+            <a:blip r:embed="rId2"/>
+            <a:stretch>
+              <a:fillRect/>
+            </a:stretch>
+          </p:blipFill>
+          <p:spPr>
+            <a:xfrm>
+              <a:off x="1025267" y="4242832"/>
+              <a:ext cx="419348" cy="419348"/>
+            </a:xfrm>
+            <a:prstGeom prst="rect">
+              <a:avLst/>
+            </a:prstGeom>
+          </p:spPr>
+        </p:pic>
+      </p:grpSp>
+      <p:grpSp>
+        <p:nvGrpSpPr>
+          <p:cNvPr id="16" name="그룹 15"/>
+          <p:cNvGrpSpPr/>
+          <p:nvPr/>
+        </p:nvGrpSpPr>
+        <p:grpSpPr>
+          <a:xfrm>
+            <a:off x="8001734" y="3186478"/>
+            <a:ext cx="1810482" cy="1767253"/>
+            <a:chOff x="7216287" y="1917457"/>
+            <a:chExt cx="1969477" cy="1767253"/>
+          </a:xfrm>
+        </p:grpSpPr>
+        <p:sp>
+          <p:nvSpPr>
+            <p:cNvPr id="17" name="직사각형 16"/>
+            <p:cNvSpPr/>
+            <p:nvPr/>
+          </p:nvSpPr>
+          <p:spPr>
+            <a:xfrm>
+              <a:off x="7216287" y="1917457"/>
+              <a:ext cx="1969477" cy="1767253"/>
+            </a:xfrm>
+            <a:prstGeom prst="rect">
+              <a:avLst/>
+            </a:prstGeom>
+            <a:ln w="19050"/>
+          </p:spPr>
+          <p:style>
+            <a:lnRef idx="2">
+              <a:schemeClr val="dk1"/>
+            </a:lnRef>
+            <a:fillRef idx="1">
+              <a:schemeClr val="lt1"/>
+            </a:fillRef>
+            <a:effectRef idx="0">
+              <a:schemeClr val="dk1"/>
+            </a:effectRef>
+            <a:fontRef idx="minor">
+              <a:schemeClr val="dk1"/>
+            </a:fontRef>
+          </p:style>
+          <p:txBody>
+            <a:bodyPr rtlCol="0" anchor="ctr"/>
+            <a:lstStyle/>
+            <a:p>
+              <a:pPr algn="ctr"/>
+              <a:r>
+                <a:rPr lang="en-US" altLang="ko-KR" sz="4000" dirty="0" smtClean="0"/>
+                <a:t>VIEWs</a:t>
+              </a:r>
+              <a:endParaRPr lang="en-US" altLang="ko-KR" sz="2000" dirty="0" smtClean="0"/>
+            </a:p>
+            <a:p>
+              <a:pPr algn="ctr"/>
+              <a:endParaRPr lang="ko-KR" altLang="en-US" sz="2000" dirty="0"/>
+            </a:p>
+          </p:txBody>
+        </p:sp>
+        <p:pic>
+          <p:nvPicPr>
+            <p:cNvPr id="18" name="그림 17"/>
+            <p:cNvPicPr>
+              <a:picLocks noChangeAspect="1"/>
+            </p:cNvPicPr>
+            <p:nvPr/>
+          </p:nvPicPr>
+          <p:blipFill>
+            <a:blip r:embed="rId3"/>
+            <a:stretch>
+              <a:fillRect/>
+            </a:stretch>
+          </p:blipFill>
+          <p:spPr>
+            <a:xfrm>
+              <a:off x="7973157" y="3031881"/>
+              <a:ext cx="555381" cy="555381"/>
+            </a:xfrm>
+            <a:prstGeom prst="rect">
+              <a:avLst/>
+            </a:prstGeom>
+          </p:spPr>
+        </p:pic>
+      </p:grpSp>
+      <p:sp>
+        <p:nvSpPr>
+          <p:cNvPr id="20" name="직사각형 19"/>
+          <p:cNvSpPr/>
+          <p:nvPr/>
+        </p:nvSpPr>
+        <p:spPr>
+          <a:xfrm>
+            <a:off x="10182960" y="2382717"/>
+            <a:ext cx="1651488" cy="1299798"/>
+          </a:xfrm>
+          <a:prstGeom prst="rect">
+            <a:avLst/>
+          </a:prstGeom>
+          <a:ln w="19050"/>
+        </p:spPr>
+        <p:style>
+          <a:lnRef idx="2">
+            <a:schemeClr val="dk1"/>
+          </a:lnRef>
+          <a:fillRef idx="1">
+            <a:schemeClr val="lt1"/>
+          </a:fillRef>
+          <a:effectRef idx="0">
+            <a:schemeClr val="dk1"/>
+          </a:effectRef>
+          <a:fontRef idx="minor">
+            <a:schemeClr val="dk1"/>
+          </a:fontRef>
+        </p:style>
+        <p:txBody>
+          <a:bodyPr rtlCol="0" anchor="ctr"/>
+          <a:lstStyle/>
+          <a:p>
+            <a:pPr algn="ctr"/>
+            <a:r>
+              <a:rPr lang="en-US" altLang="ko-KR" sz="3200" dirty="0" smtClean="0"/>
+              <a:t>Method</a:t>
+            </a:r>
+            <a:endParaRPr lang="ko-KR" altLang="en-US" sz="1600" dirty="0"/>
+          </a:p>
+        </p:txBody>
+      </p:sp>
+      <p:sp>
+        <p:nvSpPr>
+          <p:cNvPr id="23" name="왼쪽/위쪽 화살표 22"/>
+          <p:cNvSpPr/>
+          <p:nvPr/>
+        </p:nvSpPr>
+        <p:spPr>
+          <a:xfrm rot="10800000" flipH="1">
+            <a:off x="10717823" y="940776"/>
+            <a:ext cx="316523" cy="1362808"/>
+          </a:xfrm>
+          <a:prstGeom prst="leftUpArrow">
+            <a:avLst/>
+          </a:prstGeom>
+        </p:spPr>
+        <p:style>
+          <a:lnRef idx="2">
+            <a:schemeClr val="dk1">
+              <a:shade val="50000"/>
+            </a:schemeClr>
+          </a:lnRef>
+          <a:fillRef idx="1">
+            <a:schemeClr val="dk1"/>
+          </a:fillRef>
+          <a:effectRef idx="0">
+            <a:schemeClr val="dk1"/>
+          </a:effectRef>
+          <a:fontRef idx="minor">
+            <a:schemeClr val="lt1"/>
+          </a:fontRef>
+        </p:style>
+        <p:txBody>
+          <a:bodyPr rtlCol="0" anchor="ctr"/>
+          <a:lstStyle/>
+          <a:p>
+            <a:pPr algn="ctr"/>
+            <a:endParaRPr lang="ko-KR" altLang="en-US"/>
+          </a:p>
+        </p:txBody>
+      </p:sp>
+      <p:grpSp>
+        <p:nvGrpSpPr>
+          <p:cNvPr id="9" name="그룹 8"/>
+          <p:cNvGrpSpPr/>
+          <p:nvPr/>
+        </p:nvGrpSpPr>
+        <p:grpSpPr>
+          <a:xfrm>
+            <a:off x="2529406" y="2817729"/>
+            <a:ext cx="2160776" cy="2281866"/>
+            <a:chOff x="2582160" y="2791352"/>
+            <a:chExt cx="2160776" cy="2281866"/>
+          </a:xfrm>
+        </p:grpSpPr>
+        <p:grpSp>
+          <p:nvGrpSpPr>
+            <p:cNvPr id="22" name="그룹 21"/>
+            <p:cNvGrpSpPr/>
+            <p:nvPr/>
+          </p:nvGrpSpPr>
+          <p:grpSpPr>
+            <a:xfrm>
+              <a:off x="2582160" y="2791352"/>
+              <a:ext cx="2160776" cy="1938909"/>
+              <a:chOff x="2195876" y="3437791"/>
+              <a:chExt cx="2841539" cy="2549772"/>
+            </a:xfrm>
+          </p:grpSpPr>
+          <p:sp>
+            <p:nvSpPr>
+              <p:cNvPr id="6" name="직사각형 5"/>
+              <p:cNvSpPr/>
+              <p:nvPr/>
+            </p:nvSpPr>
+            <p:spPr>
+              <a:xfrm>
+                <a:off x="2195876" y="3437791"/>
+                <a:ext cx="2841539" cy="2549772"/>
+              </a:xfrm>
+              <a:prstGeom prst="rect">
+                <a:avLst/>
+              </a:prstGeom>
+              <a:ln w="19050"/>
+            </p:spPr>
+            <p:style>
+              <a:lnRef idx="2">
+                <a:schemeClr val="dk1"/>
+              </a:lnRef>
+              <a:fillRef idx="1">
+                <a:schemeClr val="lt1"/>
+              </a:fillRef>
+              <a:effectRef idx="0">
+                <a:schemeClr val="dk1"/>
+              </a:effectRef>
+              <a:fontRef idx="minor">
+                <a:schemeClr val="dk1"/>
+              </a:fontRef>
+            </p:style>
+            <p:txBody>
+              <a:bodyPr rtlCol="0" anchor="ctr"/>
+              <a:lstStyle/>
+              <a:p>
+                <a:pPr algn="ctr"/>
+                <a:r>
+                  <a:rPr lang="en-US" altLang="ko-KR" sz="3200" dirty="0" smtClean="0"/>
+                  <a:t>JS</a:t>
+                </a:r>
+              </a:p>
+              <a:p>
+                <a:pPr algn="ctr"/>
+                <a:r>
+                  <a:rPr lang="en-US" altLang="ko-KR" sz="3200" dirty="0" smtClean="0"/>
+                  <a:t>&lt;Ajax</a:t>
+                </a:r>
+                <a:r>
+                  <a:rPr lang="en-US" altLang="ko-KR" sz="3200" dirty="0" smtClean="0"/>
+                  <a:t>&gt;</a:t>
+                </a:r>
+              </a:p>
+              <a:p>
+                <a:pPr algn="ctr"/>
+                <a:endParaRPr lang="en-US" altLang="ko-KR" sz="1600" dirty="0" smtClean="0"/>
+              </a:p>
+              <a:p>
+                <a:pPr algn="ctr"/>
+                <a:endParaRPr lang="ko-KR" altLang="en-US" sz="1600" dirty="0"/>
+              </a:p>
+            </p:txBody>
+          </p:sp>
+          <p:pic>
+            <p:nvPicPr>
+              <p:cNvPr id="8" name="그림 7"/>
+              <p:cNvPicPr>
+                <a:picLocks noChangeAspect="1"/>
+              </p:cNvPicPr>
+              <p:nvPr/>
+            </p:nvPicPr>
+            <p:blipFill>
+              <a:blip r:embed="rId4"/>
+              <a:stretch>
+                <a:fillRect/>
+              </a:stretch>
+            </p:blipFill>
+            <p:spPr>
+              <a:xfrm>
+                <a:off x="3274731" y="5189373"/>
+                <a:ext cx="651098" cy="651098"/>
+              </a:xfrm>
+              <a:prstGeom prst="rect">
+                <a:avLst/>
+              </a:prstGeom>
+            </p:spPr>
+          </p:pic>
+        </p:grpSp>
+        <p:sp>
+          <p:nvSpPr>
+            <p:cNvPr id="24" name="TextBox 23"/>
+            <p:cNvSpPr txBox="1"/>
+            <p:nvPr/>
+          </p:nvSpPr>
+          <p:spPr>
+            <a:xfrm>
+              <a:off x="2699237" y="4703886"/>
+              <a:ext cx="1965538" cy="369332"/>
+            </a:xfrm>
+            <a:prstGeom prst="rect">
+              <a:avLst/>
+            </a:prstGeom>
+            <a:noFill/>
+          </p:spPr>
+          <p:txBody>
+            <a:bodyPr wrap="none" rtlCol="0">
+              <a:spAutoFit/>
+            </a:bodyPr>
+            <a:lstStyle/>
+            <a:p>
+              <a:r>
+                <a:rPr lang="en-US" altLang="ko-KR" dirty="0" err="1" smtClean="0"/>
+                <a:t>Asynchronization</a:t>
+              </a:r>
+              <a:endParaRPr lang="ko-KR" altLang="en-US" dirty="0"/>
+            </a:p>
+          </p:txBody>
+        </p:sp>
+      </p:grpSp>
+      <p:sp>
+        <p:nvSpPr>
+          <p:cNvPr id="25" name="TextBox 24"/>
+          <p:cNvSpPr txBox="1"/>
+          <p:nvPr/>
+        </p:nvSpPr>
+        <p:spPr>
+          <a:xfrm>
+            <a:off x="9315102" y="1582616"/>
+            <a:ext cx="1447640" cy="738664"/>
+          </a:xfrm>
+          <a:prstGeom prst="rect">
+            <a:avLst/>
+          </a:prstGeom>
+          <a:noFill/>
+        </p:spPr>
+        <p:txBody>
+          <a:bodyPr wrap="none" rtlCol="0">
+            <a:spAutoFit/>
+          </a:bodyPr>
+          <a:lstStyle/>
+          <a:p>
+            <a:pPr algn="ctr"/>
+            <a:r>
+              <a:rPr lang="en-US" altLang="ko-KR" sz="1400" dirty="0" smtClean="0"/>
+              <a:t>*Persistent</a:t>
+            </a:r>
+          </a:p>
+          <a:p>
+            <a:pPr algn="ctr"/>
+            <a:r>
+              <a:rPr lang="en-US" altLang="ko-KR" sz="1400" dirty="0" smtClean="0"/>
+              <a:t>HTTP Request</a:t>
+            </a:r>
+          </a:p>
+          <a:p>
+            <a:pPr algn="ctr"/>
+            <a:r>
+              <a:rPr lang="en-US" altLang="ko-KR" sz="1400" dirty="0" smtClean="0"/>
+              <a:t>HTTP Response</a:t>
+            </a:r>
+          </a:p>
+        </p:txBody>
+      </p:sp>
+      <p:sp>
+        <p:nvSpPr>
+          <p:cNvPr id="26" name="왼쪽/오른쪽 화살표 25"/>
+          <p:cNvSpPr/>
+          <p:nvPr/>
+        </p:nvSpPr>
+        <p:spPr>
+          <a:xfrm>
+            <a:off x="4862146" y="4651131"/>
+            <a:ext cx="3042139" cy="211015"/>
+          </a:xfrm>
+          <a:prstGeom prst="leftRightArrow">
+            <a:avLst/>
+          </a:prstGeom>
+        </p:spPr>
+        <p:style>
+          <a:lnRef idx="2">
+            <a:schemeClr val="dk1">
+              <a:shade val="50000"/>
+            </a:schemeClr>
+          </a:lnRef>
+          <a:fillRef idx="1">
+            <a:schemeClr val="dk1"/>
+          </a:fillRef>
+          <a:effectRef idx="0">
+            <a:schemeClr val="dk1"/>
+          </a:effectRef>
+          <a:fontRef idx="minor">
+            <a:schemeClr val="lt1"/>
+          </a:fontRef>
+        </p:style>
+        <p:txBody>
+          <a:bodyPr rtlCol="0" anchor="ctr"/>
+          <a:lstStyle/>
+          <a:p>
+            <a:pPr algn="ctr"/>
+            <a:endParaRPr lang="ko-KR" altLang="en-US"/>
+          </a:p>
+        </p:txBody>
+      </p:sp>
+      <p:grpSp>
+        <p:nvGrpSpPr>
+          <p:cNvPr id="2" name="그룹 1"/>
+          <p:cNvGrpSpPr/>
+          <p:nvPr/>
+        </p:nvGrpSpPr>
+        <p:grpSpPr>
+          <a:xfrm>
+            <a:off x="6137033" y="1979002"/>
+            <a:ext cx="1694341" cy="2320436"/>
+            <a:chOff x="5380893" y="1750402"/>
+            <a:chExt cx="1694341" cy="2320436"/>
+          </a:xfrm>
+        </p:grpSpPr>
+        <p:grpSp>
+          <p:nvGrpSpPr>
+            <p:cNvPr id="15" name="그룹 14"/>
+            <p:cNvGrpSpPr/>
+            <p:nvPr/>
+          </p:nvGrpSpPr>
+          <p:grpSpPr>
+            <a:xfrm>
+              <a:off x="5616088" y="1750402"/>
+              <a:ext cx="1459146" cy="1309322"/>
+              <a:chOff x="7192553" y="1881855"/>
+              <a:chExt cx="1969477" cy="1767253"/>
+            </a:xfrm>
+          </p:grpSpPr>
+          <p:sp>
+            <p:nvSpPr>
+              <p:cNvPr id="12" name="직사각형 11"/>
+              <p:cNvSpPr/>
+              <p:nvPr/>
+            </p:nvSpPr>
+            <p:spPr>
+              <a:xfrm>
+                <a:off x="7192553" y="1881855"/>
+                <a:ext cx="1969477" cy="1767253"/>
+              </a:xfrm>
+              <a:prstGeom prst="rect">
+                <a:avLst/>
+              </a:prstGeom>
+              <a:ln w="19050"/>
+            </p:spPr>
+            <p:style>
+              <a:lnRef idx="2">
+                <a:schemeClr val="dk1"/>
+              </a:lnRef>
+              <a:fillRef idx="1">
+                <a:schemeClr val="lt1"/>
+              </a:fillRef>
+              <a:effectRef idx="0">
+                <a:schemeClr val="dk1"/>
+              </a:effectRef>
+              <a:fontRef idx="minor">
+                <a:schemeClr val="dk1"/>
+              </a:fontRef>
+            </p:style>
+            <p:txBody>
+              <a:bodyPr rtlCol="0" anchor="ctr"/>
+              <a:lstStyle/>
+              <a:p>
+                <a:pPr algn="ctr"/>
+                <a:r>
+                  <a:rPr lang="en-US" altLang="ko-KR" sz="4000" dirty="0" smtClean="0"/>
+                  <a:t>URL</a:t>
+                </a:r>
+                <a:endParaRPr lang="en-US" altLang="ko-KR" sz="2000" dirty="0" smtClean="0"/>
+              </a:p>
+              <a:p>
+                <a:pPr algn="ctr"/>
+                <a:endParaRPr lang="ko-KR" altLang="en-US" sz="2000" dirty="0"/>
+              </a:p>
+            </p:txBody>
+          </p:sp>
+          <p:pic>
+            <p:nvPicPr>
+              <p:cNvPr id="14" name="그림 13"/>
+              <p:cNvPicPr>
+                <a:picLocks noChangeAspect="1"/>
+              </p:cNvPicPr>
+              <p:nvPr/>
+            </p:nvPicPr>
+            <p:blipFill>
+              <a:blip r:embed="rId3"/>
+              <a:stretch>
+                <a:fillRect/>
+              </a:stretch>
+            </p:blipFill>
+            <p:spPr>
+              <a:xfrm>
+                <a:off x="7949423" y="2996277"/>
+                <a:ext cx="555381" cy="555382"/>
+              </a:xfrm>
+              <a:prstGeom prst="rect">
+                <a:avLst/>
+              </a:prstGeom>
+            </p:spPr>
+          </p:pic>
+        </p:grpSp>
+        <p:sp>
+          <p:nvSpPr>
+            <p:cNvPr id="27" name="아래쪽 화살표 26"/>
+            <p:cNvSpPr/>
+            <p:nvPr/>
+          </p:nvSpPr>
+          <p:spPr>
+            <a:xfrm>
+              <a:off x="6251332" y="3138854"/>
+              <a:ext cx="193428" cy="931984"/>
+            </a:xfrm>
+            <a:prstGeom prst="downArrow">
+              <a:avLst/>
+            </a:prstGeom>
+          </p:spPr>
+          <p:style>
+            <a:lnRef idx="2">
+              <a:schemeClr val="dk1">
+                <a:shade val="50000"/>
+              </a:schemeClr>
+            </a:lnRef>
+            <a:fillRef idx="1">
+              <a:schemeClr val="dk1"/>
+            </a:fillRef>
+            <a:effectRef idx="0">
+              <a:schemeClr val="dk1"/>
+            </a:effectRef>
+            <a:fontRef idx="minor">
+              <a:schemeClr val="lt1"/>
+            </a:fontRef>
+          </p:style>
+          <p:txBody>
+            <a:bodyPr rtlCol="0" anchor="ctr"/>
+            <a:lstStyle/>
+            <a:p>
+              <a:pPr algn="ctr"/>
+              <a:endParaRPr lang="ko-KR" altLang="en-US"/>
+            </a:p>
+          </p:txBody>
+        </p:sp>
+        <p:sp>
+          <p:nvSpPr>
+            <p:cNvPr id="28" name="TextBox 27"/>
+            <p:cNvSpPr txBox="1"/>
+            <p:nvPr/>
+          </p:nvSpPr>
+          <p:spPr>
+            <a:xfrm>
+              <a:off x="5380893" y="3367453"/>
+              <a:ext cx="914033" cy="523220"/>
+            </a:xfrm>
+            <a:prstGeom prst="rect">
+              <a:avLst/>
+            </a:prstGeom>
+            <a:noFill/>
+          </p:spPr>
+          <p:txBody>
+            <a:bodyPr wrap="none" rtlCol="0">
+              <a:spAutoFit/>
+            </a:bodyPr>
+            <a:lstStyle/>
+            <a:p>
+              <a:pPr algn="r"/>
+              <a:r>
+                <a:rPr lang="en-US" altLang="ko-KR" sz="1400" dirty="0"/>
+                <a:t>URL</a:t>
+              </a:r>
+            </a:p>
+            <a:p>
+              <a:pPr algn="r"/>
+              <a:r>
+                <a:rPr lang="en-US" altLang="ko-KR" sz="1400" dirty="0" smtClean="0"/>
+                <a:t>Mapping</a:t>
+              </a:r>
+              <a:endParaRPr lang="ko-KR" altLang="en-US" sz="1400" dirty="0"/>
+            </a:p>
+          </p:txBody>
+        </p:sp>
+      </p:grpSp>
+      <p:sp>
+        <p:nvSpPr>
+          <p:cNvPr id="30" name="왼쪽/위쪽 화살표 29"/>
+          <p:cNvSpPr/>
+          <p:nvPr/>
+        </p:nvSpPr>
+        <p:spPr>
+          <a:xfrm>
+            <a:off x="9908931" y="3771900"/>
+            <a:ext cx="1186962" cy="386862"/>
+          </a:xfrm>
+          <a:prstGeom prst="leftUpArrow">
+            <a:avLst/>
+          </a:prstGeom>
+        </p:spPr>
+        <p:style>
+          <a:lnRef idx="2">
+            <a:schemeClr val="dk1">
+              <a:shade val="50000"/>
+            </a:schemeClr>
+          </a:lnRef>
+          <a:fillRef idx="1">
+            <a:schemeClr val="dk1"/>
+          </a:fillRef>
+          <a:effectRef idx="0">
+            <a:schemeClr val="dk1"/>
+          </a:effectRef>
+          <a:fontRef idx="minor">
+            <a:schemeClr val="lt1"/>
+          </a:fontRef>
+        </p:style>
+        <p:txBody>
+          <a:bodyPr rtlCol="0" anchor="ctr"/>
+          <a:lstStyle/>
+          <a:p>
+            <a:pPr algn="ctr"/>
+            <a:endParaRPr lang="ko-KR" altLang="en-US"/>
+          </a:p>
+        </p:txBody>
+      </p:sp>
+      <p:sp>
+        <p:nvSpPr>
+          <p:cNvPr id="31" name="TextBox 30"/>
+          <p:cNvSpPr txBox="1"/>
+          <p:nvPr/>
+        </p:nvSpPr>
+        <p:spPr>
+          <a:xfrm>
+            <a:off x="5073161" y="4844560"/>
+            <a:ext cx="2585131" cy="307777"/>
+          </a:xfrm>
+          <a:prstGeom prst="rect">
+            <a:avLst/>
+          </a:prstGeom>
+        </p:spPr>
+        <p:style>
+          <a:lnRef idx="3">
+            <a:schemeClr val="lt1"/>
+          </a:lnRef>
+          <a:fillRef idx="1">
+            <a:schemeClr val="dk1"/>
+          </a:fillRef>
+          <a:effectRef idx="1">
+            <a:schemeClr val="dk1"/>
+          </a:effectRef>
+          <a:fontRef idx="minor">
+            <a:schemeClr val="lt1"/>
+          </a:fontRef>
+        </p:style>
+        <p:txBody>
+          <a:bodyPr wrap="none" rtlCol="0">
+            <a:spAutoFit/>
+          </a:bodyPr>
+          <a:lstStyle/>
+          <a:p>
+            <a:r>
+              <a:rPr lang="en-US" altLang="ko-KR" sz="1400" dirty="0" smtClean="0"/>
+              <a:t>Request HTTP / </a:t>
+            </a:r>
+            <a:r>
+              <a:rPr lang="en-US" altLang="ko-KR" sz="1400" dirty="0" err="1" smtClean="0"/>
+              <a:t>Json</a:t>
+            </a:r>
+            <a:r>
+              <a:rPr lang="en-US" altLang="ko-KR" sz="1400" dirty="0" smtClean="0"/>
+              <a:t> Request</a:t>
+            </a:r>
+            <a:endParaRPr lang="ko-KR" altLang="en-US" sz="1400" dirty="0"/>
+          </a:p>
+        </p:txBody>
+      </p:sp>
+      <p:sp>
+        <p:nvSpPr>
+          <p:cNvPr id="7" name="TextBox 6"/>
+          <p:cNvSpPr txBox="1"/>
+          <p:nvPr/>
+        </p:nvSpPr>
+        <p:spPr>
+          <a:xfrm>
+            <a:off x="1916723" y="5609492"/>
+            <a:ext cx="3586238" cy="861774"/>
+          </a:xfrm>
+          <a:prstGeom prst="rect">
+            <a:avLst/>
+          </a:prstGeom>
+          <a:noFill/>
+        </p:spPr>
+        <p:txBody>
+          <a:bodyPr wrap="none" rtlCol="0">
+            <a:spAutoFit/>
+          </a:bodyPr>
+          <a:lstStyle/>
+          <a:p>
+            <a:r>
+              <a:rPr lang="en-US" altLang="ko-KR" sz="5000" dirty="0" smtClean="0"/>
+              <a:t>&lt; CLIENT &gt;</a:t>
+            </a:r>
+            <a:endParaRPr lang="ko-KR" altLang="en-US" sz="5000" dirty="0"/>
+          </a:p>
+        </p:txBody>
+      </p:sp>
+      <p:sp>
+        <p:nvSpPr>
+          <p:cNvPr id="32" name="TextBox 31"/>
+          <p:cNvSpPr txBox="1"/>
+          <p:nvPr/>
+        </p:nvSpPr>
+        <p:spPr>
+          <a:xfrm>
+            <a:off x="7863254" y="5577254"/>
+            <a:ext cx="3735318" cy="861774"/>
+          </a:xfrm>
+          <a:prstGeom prst="rect">
+            <a:avLst/>
+          </a:prstGeom>
+          <a:noFill/>
+        </p:spPr>
+        <p:txBody>
+          <a:bodyPr wrap="none" rtlCol="0">
+            <a:spAutoFit/>
+          </a:bodyPr>
+          <a:lstStyle/>
+          <a:p>
+            <a:r>
+              <a:rPr lang="en-US" altLang="ko-KR" sz="5000" dirty="0"/>
+              <a:t>&lt; SERVER &gt;</a:t>
+            </a:r>
+            <a:endParaRPr lang="ko-KR" altLang="en-US" sz="5000" dirty="0"/>
+          </a:p>
+        </p:txBody>
+      </p:sp>
+      <p:pic>
+        <p:nvPicPr>
+          <p:cNvPr id="36" name="그림 35"/>
+          <p:cNvPicPr>
+            <a:picLocks noChangeAspect="1"/>
+          </p:cNvPicPr>
+          <p:nvPr/>
+        </p:nvPicPr>
+        <p:blipFill>
+          <a:blip r:embed="rId3"/>
+          <a:stretch>
+            <a:fillRect/>
+          </a:stretch>
+        </p:blipFill>
+        <p:spPr>
+          <a:xfrm>
+            <a:off x="6491811" y="5512777"/>
+            <a:ext cx="1279911" cy="1122620"/>
+          </a:xfrm>
+          <a:prstGeom prst="rect">
+            <a:avLst/>
+          </a:prstGeom>
+        </p:spPr>
+      </p:pic>
+      <p:sp>
+        <p:nvSpPr>
+          <p:cNvPr id="38" name="TextBox 37"/>
+          <p:cNvSpPr txBox="1"/>
+          <p:nvPr/>
+        </p:nvSpPr>
+        <p:spPr>
+          <a:xfrm>
+            <a:off x="5067300" y="4363914"/>
+            <a:ext cx="2594428" cy="307777"/>
+          </a:xfrm>
+          <a:prstGeom prst="rect">
+            <a:avLst/>
+          </a:prstGeom>
+        </p:spPr>
+        <p:style>
+          <a:lnRef idx="3">
+            <a:schemeClr val="lt1"/>
+          </a:lnRef>
+          <a:fillRef idx="1">
+            <a:schemeClr val="dk1"/>
+          </a:fillRef>
+          <a:effectRef idx="1">
+            <a:schemeClr val="dk1"/>
+          </a:effectRef>
+          <a:fontRef idx="minor">
+            <a:schemeClr val="lt1"/>
+          </a:fontRef>
+        </p:style>
+        <p:txBody>
+          <a:bodyPr wrap="none" rtlCol="0">
+            <a:spAutoFit/>
+          </a:bodyPr>
+          <a:lstStyle/>
+          <a:p>
+            <a:r>
+              <a:rPr lang="en-US" altLang="ko-KR" sz="1400" dirty="0" smtClean="0"/>
+              <a:t>Return </a:t>
+            </a:r>
+            <a:r>
+              <a:rPr lang="en-US" altLang="ko-KR" sz="1400" dirty="0" smtClean="0"/>
+              <a:t>HTTP / </a:t>
+            </a:r>
+            <a:r>
+              <a:rPr lang="en-US" altLang="ko-KR" sz="1400" dirty="0" err="1" smtClean="0"/>
+              <a:t>Json</a:t>
+            </a:r>
+            <a:r>
+              <a:rPr lang="en-US" altLang="ko-KR" sz="1400" dirty="0" smtClean="0"/>
+              <a:t> Response</a:t>
+            </a:r>
+            <a:endParaRPr lang="ko-KR" altLang="en-US" sz="1400" dirty="0"/>
+          </a:p>
+        </p:txBody>
+      </p:sp>
+      <p:sp>
+        <p:nvSpPr>
+          <p:cNvPr id="39" name="직사각형 38"/>
+          <p:cNvSpPr/>
+          <p:nvPr/>
+        </p:nvSpPr>
+        <p:spPr>
+          <a:xfrm>
+            <a:off x="905608" y="751011"/>
+            <a:ext cx="9680330" cy="515082"/>
+          </a:xfrm>
+          <a:prstGeom prst="rect">
+            <a:avLst/>
+          </a:prstGeom>
+          <a:ln w="19050"/>
+        </p:spPr>
+        <p:style>
+          <a:lnRef idx="2">
+            <a:schemeClr val="dk1"/>
+          </a:lnRef>
+          <a:fillRef idx="1">
+            <a:schemeClr val="lt1"/>
+          </a:fillRef>
+          <a:effectRef idx="0">
+            <a:schemeClr val="dk1"/>
+          </a:effectRef>
+          <a:fontRef idx="minor">
+            <a:schemeClr val="dk1"/>
+          </a:fontRef>
+        </p:style>
+        <p:txBody>
+          <a:bodyPr rtlCol="0" anchor="ctr"/>
+          <a:lstStyle/>
+          <a:p>
+            <a:pPr algn="ctr"/>
+            <a:r>
+              <a:rPr lang="en-US" altLang="ko-KR" sz="3200" dirty="0" smtClean="0"/>
+              <a:t>TARGET URL’s SERVER</a:t>
+            </a:r>
+            <a:endParaRPr lang="en-US" altLang="ko-KR" sz="1600" dirty="0" smtClean="0"/>
+          </a:p>
+        </p:txBody>
+      </p:sp>
+      <p:sp>
+        <p:nvSpPr>
+          <p:cNvPr id="40" name="왼쪽/오른쪽 화살표 39"/>
+          <p:cNvSpPr/>
+          <p:nvPr/>
+        </p:nvSpPr>
+        <p:spPr>
+          <a:xfrm rot="5400000">
+            <a:off x="8231065" y="2173169"/>
+            <a:ext cx="1767256" cy="164122"/>
+          </a:xfrm>
+          <a:prstGeom prst="leftRightArrow">
+            <a:avLst/>
+          </a:prstGeom>
+        </p:spPr>
+        <p:style>
+          <a:lnRef idx="2">
+            <a:schemeClr val="dk1">
+              <a:shade val="50000"/>
+            </a:schemeClr>
+          </a:lnRef>
+          <a:fillRef idx="1">
+            <a:schemeClr val="dk1"/>
+          </a:fillRef>
+          <a:effectRef idx="0">
+            <a:schemeClr val="dk1"/>
+          </a:effectRef>
+          <a:fontRef idx="minor">
+            <a:schemeClr val="lt1"/>
+          </a:fontRef>
+        </p:style>
+        <p:txBody>
+          <a:bodyPr rtlCol="0" anchor="ctr"/>
+          <a:lstStyle/>
+          <a:p>
+            <a:pPr algn="ctr"/>
+            <a:endParaRPr lang="ko-KR" altLang="en-US"/>
+          </a:p>
+        </p:txBody>
+      </p:sp>
+      <p:sp>
+        <p:nvSpPr>
+          <p:cNvPr id="41" name="직사각형 40"/>
+          <p:cNvSpPr/>
+          <p:nvPr/>
+        </p:nvSpPr>
+        <p:spPr>
+          <a:xfrm>
+            <a:off x="10458452" y="4434256"/>
+            <a:ext cx="1651488" cy="463060"/>
+          </a:xfrm>
+          <a:prstGeom prst="rect">
+            <a:avLst/>
+          </a:prstGeom>
+          <a:ln w="19050"/>
+        </p:spPr>
+        <p:style>
+          <a:lnRef idx="2">
+            <a:schemeClr val="dk1"/>
+          </a:lnRef>
+          <a:fillRef idx="1">
+            <a:schemeClr val="lt1"/>
+          </a:fillRef>
+          <a:effectRef idx="0">
+            <a:schemeClr val="dk1"/>
+          </a:effectRef>
+          <a:fontRef idx="minor">
+            <a:schemeClr val="dk1"/>
+          </a:fontRef>
+        </p:style>
+        <p:txBody>
+          <a:bodyPr rtlCol="0" anchor="ctr"/>
+          <a:lstStyle/>
+          <a:p>
+            <a:pPr algn="ctr"/>
+            <a:r>
+              <a:rPr lang="en-US" altLang="ko-KR" sz="2400" dirty="0" smtClean="0"/>
+              <a:t>Database</a:t>
+            </a:r>
+            <a:endParaRPr lang="ko-KR" altLang="en-US" sz="1200" dirty="0"/>
+          </a:p>
+        </p:txBody>
+      </p:sp>
+      <p:sp>
+        <p:nvSpPr>
+          <p:cNvPr id="42" name="왼쪽/오른쪽 화살표 41"/>
+          <p:cNvSpPr/>
+          <p:nvPr/>
+        </p:nvSpPr>
+        <p:spPr>
+          <a:xfrm>
+            <a:off x="9876694" y="4563208"/>
+            <a:ext cx="498230" cy="196361"/>
+          </a:xfrm>
+          <a:prstGeom prst="leftRightArrow">
+            <a:avLst/>
+          </a:prstGeom>
+        </p:spPr>
+        <p:style>
+          <a:lnRef idx="2">
+            <a:schemeClr val="dk1">
+              <a:shade val="50000"/>
+            </a:schemeClr>
+          </a:lnRef>
+          <a:fillRef idx="1">
+            <a:schemeClr val="dk1"/>
+          </a:fillRef>
+          <a:effectRef idx="0">
+            <a:schemeClr val="dk1"/>
+          </a:effectRef>
+          <a:fontRef idx="minor">
+            <a:schemeClr val="lt1"/>
+          </a:fontRef>
+        </p:style>
+        <p:txBody>
+          <a:bodyPr rtlCol="0" anchor="ctr"/>
+          <a:lstStyle/>
+          <a:p>
+            <a:pPr algn="ctr"/>
+            <a:endParaRPr lang="ko-KR" altLang="en-US"/>
+          </a:p>
+        </p:txBody>
+      </p:sp>
+      <p:sp>
+        <p:nvSpPr>
+          <p:cNvPr id="43" name="왼쪽/오른쪽 화살표 42"/>
+          <p:cNvSpPr/>
+          <p:nvPr/>
+        </p:nvSpPr>
+        <p:spPr>
+          <a:xfrm rot="5400000">
+            <a:off x="11289325" y="3990245"/>
+            <a:ext cx="666748" cy="142140"/>
+          </a:xfrm>
+          <a:prstGeom prst="leftRightArrow">
+            <a:avLst/>
+          </a:prstGeom>
+        </p:spPr>
+        <p:style>
+          <a:lnRef idx="2">
+            <a:schemeClr val="dk1">
+              <a:shade val="50000"/>
+            </a:schemeClr>
+          </a:lnRef>
+          <a:fillRef idx="1">
+            <a:schemeClr val="dk1"/>
+          </a:fillRef>
+          <a:effectRef idx="0">
+            <a:schemeClr val="dk1"/>
+          </a:effectRef>
+          <a:fontRef idx="minor">
+            <a:schemeClr val="lt1"/>
+          </a:fontRef>
+        </p:style>
+        <p:txBody>
+          <a:bodyPr rtlCol="0" anchor="ctr"/>
+          <a:lstStyle/>
+          <a:p>
+            <a:pPr algn="ctr"/>
+            <a:endParaRPr lang="ko-KR" altLang="en-US"/>
+          </a:p>
+        </p:txBody>
+      </p:sp>
+    </p:spTree>
+    <p:extLst>
+      <p:ext uri="{BB962C8B-B14F-4D97-AF65-F5344CB8AC3E}">
+        <p14:creationId xmlns:p14="http://schemas.microsoft.com/office/powerpoint/2010/main" val="2690942117"/>
       </p:ext>
     </p:extLst>
   </p:cSld>
@@ -3919,4 +5564,265 @@
     </a:ext>
   </a:extLst>
 </a:theme>
+</file>
+
+<file path=ppt/theme/theme2.xml><?xml version="1.0" encoding="utf-8"?>
+<a:theme xmlns:a="http://schemas.openxmlformats.org/drawingml/2006/main" name="Office 테마">
+  <a:themeElements>
+    <a:clrScheme name="Office">
+      <a:dk1>
+        <a:sysClr val="windowText" lastClr="000000"/>
+      </a:dk1>
+      <a:lt1>
+        <a:sysClr val="window" lastClr="FFFFFF"/>
+      </a:lt1>
+      <a:dk2>
+        <a:srgbClr val="44546A"/>
+      </a:dk2>
+      <a:lt2>
+        <a:srgbClr val="E7E6E6"/>
+      </a:lt2>
+      <a:accent1>
+        <a:srgbClr val="5B9BD5"/>
+      </a:accent1>
+      <a:accent2>
+        <a:srgbClr val="ED7D31"/>
+      </a:accent2>
+      <a:accent3>
+        <a:srgbClr val="A5A5A5"/>
+      </a:accent3>
+      <a:accent4>
+        <a:srgbClr val="FFC000"/>
+      </a:accent4>
+      <a:accent5>
+        <a:srgbClr val="4472C4"/>
+      </a:accent5>
+      <a:accent6>
+        <a:srgbClr val="70AD47"/>
+      </a:accent6>
+      <a:hlink>
+        <a:srgbClr val="0563C1"/>
+      </a:hlink>
+      <a:folHlink>
+        <a:srgbClr val="954F72"/>
+      </a:folHlink>
+    </a:clrScheme>
+    <a:fontScheme name="Office">
+      <a:majorFont>
+        <a:latin typeface="맑은 고딕" panose="020F0302020204030204"/>
+        <a:ea typeface=""/>
+        <a:cs typeface=""/>
+        <a:font script="Jpan" typeface="游ゴシック Light"/>
+        <a:font script="Hang" typeface="맑은 고딕"/>
+        <a:font script="Hans" typeface="等线 Light"/>
+        <a:font script="Hant" typeface="新細明體"/>
+        <a:font script="Arab" typeface="Times New Roman"/>
+        <a:font script="Hebr" typeface="Times New Roman"/>
+        <a:font script="Thai" typeface="Angsana New"/>
+        <a:font script="Ethi" typeface="Nyala"/>
+        <a:font script="Beng" typeface="Vrinda"/>
+        <a:font script="Gujr" typeface="Shruti"/>
+        <a:font script="Khmr" typeface="MoolBoran"/>
+        <a:font script="Knda" typeface="Tunga"/>
+        <a:font script="Guru" typeface="Raavi"/>
+        <a:font script="Cans" typeface="Euphemia"/>
+        <a:font script="Cher" typeface="Plantagenet Cherokee"/>
+        <a:font script="Yiii" typeface="Microsoft Yi Baiti"/>
+        <a:font script="Tibt" typeface="Microsoft Himalaya"/>
+        <a:font script="Thaa" typeface="MV Boli"/>
+        <a:font script="Deva" typeface="Mangal"/>
+        <a:font script="Telu" typeface="Gautami"/>
+        <a:font script="Taml" typeface="Latha"/>
+        <a:font script="Syrc" typeface="Estrangelo Edessa"/>
+        <a:font script="Orya" typeface="Kalinga"/>
+        <a:font script="Mlym" typeface="Kartika"/>
+        <a:font script="Laoo" typeface="DokChampa"/>
+        <a:font script="Sinh" typeface="Iskoola Pota"/>
+        <a:font script="Mong" typeface="Mongolian Baiti"/>
+        <a:font script="Viet" typeface="Times New Roman"/>
+        <a:font script="Uigh" typeface="Microsoft Uighur"/>
+        <a:font script="Geor" typeface="Sylfaen"/>
+      </a:majorFont>
+      <a:minorFont>
+        <a:latin typeface="맑은 고딕" panose="020F0502020204030204"/>
+        <a:ea typeface=""/>
+        <a:cs typeface=""/>
+        <a:font script="Jpan" typeface="游ゴシック"/>
+        <a:font script="Hang" typeface="맑은 고딕"/>
+        <a:font script="Hans" typeface="等线"/>
+        <a:font script="Hant" typeface="新細明體"/>
+        <a:font script="Arab" typeface="Arial"/>
+        <a:font script="Hebr" typeface="Arial"/>
+        <a:font script="Thai" typeface="Cordia New"/>
+        <a:font script="Ethi" typeface="Nyala"/>
+        <a:font script="Beng" typeface="Vrinda"/>
+        <a:font script="Gujr" typeface="Shruti"/>
+        <a:font script="Khmr" typeface="DaunPenh"/>
+        <a:font script="Knda" typeface="Tunga"/>
+        <a:font script="Guru" typeface="Raavi"/>
+        <a:font script="Cans" typeface="Euphemia"/>
+        <a:font script="Cher" typeface="Plantagenet Cherokee"/>
+        <a:font script="Yiii" typeface="Microsoft Yi Baiti"/>
+        <a:font script="Tibt" typeface="Microsoft Himalaya"/>
+        <a:font script="Thaa" typeface="MV Boli"/>
+        <a:font script="Deva" typeface="Mangal"/>
+        <a:font script="Telu" typeface="Gautami"/>
+        <a:font script="Taml" typeface="Latha"/>
+        <a:font script="Syrc" typeface="Estrangelo Edessa"/>
+        <a:font script="Orya" typeface="Kalinga"/>
+        <a:font script="Mlym" typeface="Kartika"/>
+        <a:font script="Laoo" typeface="DokChampa"/>
+        <a:font script="Sinh" typeface="Iskoola Pota"/>
+        <a:font script="Mong" typeface="Mongolian Baiti"/>
+        <a:font script="Viet" typeface="Arial"/>
+        <a:font script="Uigh" typeface="Microsoft Uighur"/>
+        <a:font script="Geor" typeface="Sylfaen"/>
+      </a:minorFont>
+    </a:fontScheme>
+    <a:fmtScheme name="Office">
+      <a:fillStyleLst>
+        <a:solidFill>
+          <a:schemeClr val="phClr"/>
+        </a:solidFill>
+        <a:gradFill rotWithShape="1">
+          <a:gsLst>
+            <a:gs pos="0">
+              <a:schemeClr val="phClr">
+                <a:lumMod val="110000"/>
+                <a:satMod val="105000"/>
+                <a:tint val="67000"/>
+              </a:schemeClr>
+            </a:gs>
+            <a:gs pos="50000">
+              <a:schemeClr val="phClr">
+                <a:lumMod val="105000"/>
+                <a:satMod val="103000"/>
+                <a:tint val="73000"/>
+              </a:schemeClr>
+            </a:gs>
+            <a:gs pos="100000">
+              <a:schemeClr val="phClr">
+                <a:lumMod val="105000"/>
+                <a:satMod val="109000"/>
+                <a:tint val="81000"/>
+              </a:schemeClr>
+            </a:gs>
+          </a:gsLst>
+          <a:lin ang="5400000" scaled="0"/>
+        </a:gradFill>
+        <a:gradFill rotWithShape="1">
+          <a:gsLst>
+            <a:gs pos="0">
+              <a:schemeClr val="phClr">
+                <a:satMod val="103000"/>
+                <a:lumMod val="102000"/>
+                <a:tint val="94000"/>
+              </a:schemeClr>
+            </a:gs>
+            <a:gs pos="50000">
+              <a:schemeClr val="phClr">
+                <a:satMod val="110000"/>
+                <a:lumMod val="100000"/>
+                <a:shade val="100000"/>
+              </a:schemeClr>
+            </a:gs>
+            <a:gs pos="100000">
+              <a:schemeClr val="phClr">
+                <a:lumMod val="99000"/>
+                <a:satMod val="120000"/>
+                <a:shade val="78000"/>
+              </a:schemeClr>
+            </a:gs>
+          </a:gsLst>
+          <a:lin ang="5400000" scaled="0"/>
+        </a:gradFill>
+      </a:fillStyleLst>
+      <a:lnStyleLst>
+        <a:ln w="6350" cap="flat" cmpd="sng" algn="ctr">
+          <a:solidFill>
+            <a:schemeClr val="phClr"/>
+          </a:solidFill>
+          <a:prstDash val="solid"/>
+          <a:miter lim="800000"/>
+        </a:ln>
+        <a:ln w="12700" cap="flat" cmpd="sng" algn="ctr">
+          <a:solidFill>
+            <a:schemeClr val="phClr"/>
+          </a:solidFill>
+          <a:prstDash val="solid"/>
+          <a:miter lim="800000"/>
+        </a:ln>
+        <a:ln w="19050" cap="flat" cmpd="sng" algn="ctr">
+          <a:solidFill>
+            <a:schemeClr val="phClr"/>
+          </a:solidFill>
+          <a:prstDash val="solid"/>
+          <a:miter lim="800000"/>
+        </a:ln>
+      </a:lnStyleLst>
+      <a:effectStyleLst>
+        <a:effectStyle>
+          <a:effectLst/>
+        </a:effectStyle>
+        <a:effectStyle>
+          <a:effectLst/>
+        </a:effectStyle>
+        <a:effectStyle>
+          <a:effectLst>
+            <a:outerShdw blurRad="57150" dist="19050" dir="5400000" algn="ctr" rotWithShape="0">
+              <a:srgbClr val="000000">
+                <a:alpha val="63000"/>
+              </a:srgbClr>
+            </a:outerShdw>
+          </a:effectLst>
+        </a:effectStyle>
+      </a:effectStyleLst>
+      <a:bgFillStyleLst>
+        <a:solidFill>
+          <a:schemeClr val="phClr"/>
+        </a:solidFill>
+        <a:solidFill>
+          <a:schemeClr val="phClr">
+            <a:tint val="95000"/>
+            <a:satMod val="170000"/>
+          </a:schemeClr>
+        </a:solidFill>
+        <a:gradFill rotWithShape="1">
+          <a:gsLst>
+            <a:gs pos="0">
+              <a:schemeClr val="phClr">
+                <a:tint val="93000"/>
+                <a:satMod val="150000"/>
+                <a:shade val="98000"/>
+                <a:lumMod val="102000"/>
+              </a:schemeClr>
+            </a:gs>
+            <a:gs pos="50000">
+              <a:schemeClr val="phClr">
+                <a:tint val="98000"/>
+                <a:satMod val="130000"/>
+                <a:shade val="90000"/>
+                <a:lumMod val="103000"/>
+              </a:schemeClr>
+            </a:gs>
+            <a:gs pos="100000">
+              <a:schemeClr val="phClr">
+                <a:shade val="63000"/>
+                <a:satMod val="120000"/>
+              </a:schemeClr>
+            </a:gs>
+          </a:gsLst>
+          <a:lin ang="5400000" scaled="0"/>
+        </a:gradFill>
+      </a:bgFillStyleLst>
+    </a:fmtScheme>
+  </a:themeElements>
+  <a:objectDefaults/>
+  <a:extraClrSchemeLst/>
+  <a:extLst>
+    <a:ext uri="{05A4C25C-085E-4340-85A3-A5531E510DB2}">
+      <thm15:themeFamily xmlns:thm15="http://schemas.microsoft.com/office/thememl/2012/main" name="Office Theme" id="{62F939B6-93AF-4DB8-9C6B-D6C7DFDC589F}" vid="{4A3C46E8-61CC-4603-A589-7422A47A8E4A}"/>
+    </a:ext>
+  </a:extLst>
+</a:theme>
 </file>